--- a/作成中_UI設計.pptx
+++ b/作成中_UI設計.pptx
@@ -108,6 +108,11 @@
       </a:defRPr>
     </a:lvl9pPr>
   </p:defaultTextStyle>
+  <p:extLst>
+    <p:ext uri="{EFAFB233-063F-42B5-8137-9DF3F51BA10A}">
+      <p15:sldGuideLst xmlns:p15="http://schemas.microsoft.com/office/powerpoint/2012/main"/>
+    </p:ext>
+  </p:extLst>
 </p:presentation>
 </file>
 
@@ -242,7 +247,7 @@
           <a:p>
             <a:fld id="{625A176A-85C3-442C-BD81-E9EF378BB67A}" type="datetimeFigureOut">
               <a:rPr kumimoji="1" lang="ja-JP" altLang="en-US" smtClean="0"/>
-              <a:t>2023/11/17</a:t>
+              <a:t>2024/1/15</a:t>
             </a:fld>
             <a:endParaRPr kumimoji="1" lang="ja-JP" altLang="en-US"/>
           </a:p>
@@ -444,7 +449,7 @@
           <a:p>
             <a:fld id="{625A176A-85C3-442C-BD81-E9EF378BB67A}" type="datetimeFigureOut">
               <a:rPr kumimoji="1" lang="ja-JP" altLang="en-US" smtClean="0"/>
-              <a:t>2023/11/17</a:t>
+              <a:t>2024/1/15</a:t>
             </a:fld>
             <a:endParaRPr kumimoji="1" lang="ja-JP" altLang="en-US"/>
           </a:p>
@@ -656,7 +661,7 @@
           <a:p>
             <a:fld id="{625A176A-85C3-442C-BD81-E9EF378BB67A}" type="datetimeFigureOut">
               <a:rPr kumimoji="1" lang="ja-JP" altLang="en-US" smtClean="0"/>
-              <a:t>2023/11/17</a:t>
+              <a:t>2024/1/15</a:t>
             </a:fld>
             <a:endParaRPr kumimoji="1" lang="ja-JP" altLang="en-US"/>
           </a:p>
@@ -858,7 +863,7 @@
           <a:p>
             <a:fld id="{625A176A-85C3-442C-BD81-E9EF378BB67A}" type="datetimeFigureOut">
               <a:rPr kumimoji="1" lang="ja-JP" altLang="en-US" smtClean="0"/>
-              <a:t>2023/11/17</a:t>
+              <a:t>2024/1/15</a:t>
             </a:fld>
             <a:endParaRPr kumimoji="1" lang="ja-JP" altLang="en-US"/>
           </a:p>
@@ -1102,7 +1107,7 @@
           <a:p>
             <a:fld id="{625A176A-85C3-442C-BD81-E9EF378BB67A}" type="datetimeFigureOut">
               <a:rPr kumimoji="1" lang="ja-JP" altLang="en-US" smtClean="0"/>
-              <a:t>2023/11/17</a:t>
+              <a:t>2024/1/15</a:t>
             </a:fld>
             <a:endParaRPr kumimoji="1" lang="ja-JP" altLang="en-US"/>
           </a:p>
@@ -1398,7 +1403,7 @@
           <a:p>
             <a:fld id="{625A176A-85C3-442C-BD81-E9EF378BB67A}" type="datetimeFigureOut">
               <a:rPr kumimoji="1" lang="ja-JP" altLang="en-US" smtClean="0"/>
-              <a:t>2023/11/17</a:t>
+              <a:t>2024/1/15</a:t>
             </a:fld>
             <a:endParaRPr kumimoji="1" lang="ja-JP" altLang="en-US"/>
           </a:p>
@@ -1829,7 +1834,7 @@
           <a:p>
             <a:fld id="{625A176A-85C3-442C-BD81-E9EF378BB67A}" type="datetimeFigureOut">
               <a:rPr kumimoji="1" lang="ja-JP" altLang="en-US" smtClean="0"/>
-              <a:t>2023/11/17</a:t>
+              <a:t>2024/1/15</a:t>
             </a:fld>
             <a:endParaRPr kumimoji="1" lang="ja-JP" altLang="en-US"/>
           </a:p>
@@ -1947,7 +1952,7 @@
           <a:p>
             <a:fld id="{625A176A-85C3-442C-BD81-E9EF378BB67A}" type="datetimeFigureOut">
               <a:rPr kumimoji="1" lang="ja-JP" altLang="en-US" smtClean="0"/>
-              <a:t>2023/11/17</a:t>
+              <a:t>2024/1/15</a:t>
             </a:fld>
             <a:endParaRPr kumimoji="1" lang="ja-JP" altLang="en-US"/>
           </a:p>
@@ -2042,7 +2047,7 @@
           <a:p>
             <a:fld id="{625A176A-85C3-442C-BD81-E9EF378BB67A}" type="datetimeFigureOut">
               <a:rPr kumimoji="1" lang="ja-JP" altLang="en-US" smtClean="0"/>
-              <a:t>2023/11/17</a:t>
+              <a:t>2024/1/15</a:t>
             </a:fld>
             <a:endParaRPr kumimoji="1" lang="ja-JP" altLang="en-US"/>
           </a:p>
@@ -2351,7 +2356,7 @@
           <a:p>
             <a:fld id="{625A176A-85C3-442C-BD81-E9EF378BB67A}" type="datetimeFigureOut">
               <a:rPr kumimoji="1" lang="ja-JP" altLang="en-US" smtClean="0"/>
-              <a:t>2023/11/17</a:t>
+              <a:t>2024/1/15</a:t>
             </a:fld>
             <a:endParaRPr kumimoji="1" lang="ja-JP" altLang="en-US"/>
           </a:p>
@@ -2608,7 +2613,7 @@
           <a:p>
             <a:fld id="{625A176A-85C3-442C-BD81-E9EF378BB67A}" type="datetimeFigureOut">
               <a:rPr kumimoji="1" lang="ja-JP" altLang="en-US" smtClean="0"/>
-              <a:t>2023/11/17</a:t>
+              <a:t>2024/1/15</a:t>
             </a:fld>
             <a:endParaRPr kumimoji="1" lang="ja-JP" altLang="en-US"/>
           </a:p>
@@ -2853,7 +2858,7 @@
           <a:p>
             <a:fld id="{625A176A-85C3-442C-BD81-E9EF378BB67A}" type="datetimeFigureOut">
               <a:rPr kumimoji="1" lang="ja-JP" altLang="en-US" smtClean="0"/>
-              <a:t>2023/11/17</a:t>
+              <a:t>2024/1/15</a:t>
             </a:fld>
             <a:endParaRPr kumimoji="1" lang="ja-JP" altLang="en-US"/>
           </a:p>
@@ -3675,14 +3680,18 @@
             </a:lvl9pPr>
           </a:lstStyle>
           <a:p>
-            <a:pPr algn="l"/>
+            <a:pPr algn="ctr"/>
             <a:r>
               <a:rPr lang="ja-JP" altLang="en-US" sz="825" dirty="0"/>
               <a:t>正常</a:t>
             </a:r>
             <a:r>
+              <a:rPr lang="ja-JP" altLang="en-US" sz="825" dirty="0" smtClean="0"/>
+              <a:t>データ</a:t>
+            </a:r>
+            <a:r>
               <a:rPr lang="ja-JP" altLang="en-US" sz="825" dirty="0"/>
-              <a:t>データを更新する</a:t>
+              <a:t>登録</a:t>
             </a:r>
             <a:endParaRPr lang="ja-JP" altLang="en-US" sz="825" dirty="0"/>
           </a:p>
@@ -9602,11 +9611,6 @@
               </a:rPr>
               <a:t>①</a:t>
             </a:r>
-            <a:endParaRPr lang="ja-JP" altLang="en-US" dirty="0">
-              <a:solidFill>
-                <a:schemeClr val="tx1"/>
-              </a:solidFill>
-            </a:endParaRPr>
           </a:p>
         </p:txBody>
       </p:sp>
